--- a/Smart Agriculture System Based On IOT PPT.pptx
+++ b/Smart Agriculture System Based On IOT PPT.pptx
@@ -108,6 +108,11 @@
       </a:defRPr>
     </a:lvl9pPr>
   </p:defaultTextStyle>
+  <p:extLst>
+    <p:ext uri="{EFAFB233-063F-42B5-8137-9DF3F51BA10A}">
+      <p15:sldGuideLst xmlns:p15="http://schemas.microsoft.com/office/powerpoint/2012/main"/>
+    </p:ext>
+  </p:extLst>
 </p:presentation>
 </file>
 
@@ -833,7 +838,7 @@
           <a:p>
             <a:fld id="{03E5B5E7-A2F4-477A-80C3-8180C83BB5DC}" type="datetimeFigureOut">
               <a:rPr lang="en-IN" smtClean="0"/>
-              <a:t>15-06-2020</a:t>
+              <a:t>17-06-2020</a:t>
             </a:fld>
             <a:endParaRPr lang="en-IN"/>
           </a:p>
@@ -1084,7 +1089,7 @@
           <a:p>
             <a:fld id="{03E5B5E7-A2F4-477A-80C3-8180C83BB5DC}" type="datetimeFigureOut">
               <a:rPr lang="en-IN" smtClean="0"/>
-              <a:t>15-06-2020</a:t>
+              <a:t>17-06-2020</a:t>
             </a:fld>
             <a:endParaRPr lang="en-IN"/>
           </a:p>
@@ -1398,7 +1403,7 @@
           <a:p>
             <a:fld id="{03E5B5E7-A2F4-477A-80C3-8180C83BB5DC}" type="datetimeFigureOut">
               <a:rPr lang="en-IN" smtClean="0"/>
-              <a:t>15-06-2020</a:t>
+              <a:t>17-06-2020</a:t>
             </a:fld>
             <a:endParaRPr lang="en-IN"/>
           </a:p>
@@ -1739,7 +1744,7 @@
           <a:p>
             <a:fld id="{03E5B5E7-A2F4-477A-80C3-8180C83BB5DC}" type="datetimeFigureOut">
               <a:rPr lang="en-IN" smtClean="0"/>
-              <a:t>15-06-2020</a:t>
+              <a:t>17-06-2020</a:t>
             </a:fld>
             <a:endParaRPr lang="en-IN"/>
           </a:p>
@@ -2053,7 +2058,7 @@
           <a:p>
             <a:fld id="{03E5B5E7-A2F4-477A-80C3-8180C83BB5DC}" type="datetimeFigureOut">
               <a:rPr lang="en-IN" smtClean="0"/>
-              <a:t>15-06-2020</a:t>
+              <a:t>17-06-2020</a:t>
             </a:fld>
             <a:endParaRPr lang="en-IN"/>
           </a:p>
@@ -2446,7 +2451,7 @@
           <a:p>
             <a:fld id="{03E5B5E7-A2F4-477A-80C3-8180C83BB5DC}" type="datetimeFigureOut">
               <a:rPr lang="en-IN" smtClean="0"/>
-              <a:t>15-06-2020</a:t>
+              <a:t>17-06-2020</a:t>
             </a:fld>
             <a:endParaRPr lang="en-IN"/>
           </a:p>
@@ -2616,7 +2621,7 @@
           <a:p>
             <a:fld id="{03E5B5E7-A2F4-477A-80C3-8180C83BB5DC}" type="datetimeFigureOut">
               <a:rPr lang="en-IN" smtClean="0"/>
-              <a:t>15-06-2020</a:t>
+              <a:t>17-06-2020</a:t>
             </a:fld>
             <a:endParaRPr lang="en-IN"/>
           </a:p>
@@ -2796,7 +2801,7 @@
           <a:p>
             <a:fld id="{03E5B5E7-A2F4-477A-80C3-8180C83BB5DC}" type="datetimeFigureOut">
               <a:rPr lang="en-IN" smtClean="0"/>
-              <a:t>15-06-2020</a:t>
+              <a:t>17-06-2020</a:t>
             </a:fld>
             <a:endParaRPr lang="en-IN"/>
           </a:p>
@@ -2972,7 +2977,7 @@
           <a:p>
             <a:fld id="{03E5B5E7-A2F4-477A-80C3-8180C83BB5DC}" type="datetimeFigureOut">
               <a:rPr lang="en-IN" smtClean="0"/>
-              <a:t>15-06-2020</a:t>
+              <a:t>17-06-2020</a:t>
             </a:fld>
             <a:endParaRPr lang="en-IN"/>
           </a:p>
@@ -3219,7 +3224,7 @@
           <a:p>
             <a:fld id="{03E5B5E7-A2F4-477A-80C3-8180C83BB5DC}" type="datetimeFigureOut">
               <a:rPr lang="en-IN" smtClean="0"/>
-              <a:t>15-06-2020</a:t>
+              <a:t>17-06-2020</a:t>
             </a:fld>
             <a:endParaRPr lang="en-IN"/>
           </a:p>
@@ -3451,7 +3456,7 @@
           <a:p>
             <a:fld id="{03E5B5E7-A2F4-477A-80C3-8180C83BB5DC}" type="datetimeFigureOut">
               <a:rPr lang="en-IN" smtClean="0"/>
-              <a:t>15-06-2020</a:t>
+              <a:t>17-06-2020</a:t>
             </a:fld>
             <a:endParaRPr lang="en-IN"/>
           </a:p>
@@ -3825,7 +3830,7 @@
           <a:p>
             <a:fld id="{03E5B5E7-A2F4-477A-80C3-8180C83BB5DC}" type="datetimeFigureOut">
               <a:rPr lang="en-IN" smtClean="0"/>
-              <a:t>15-06-2020</a:t>
+              <a:t>17-06-2020</a:t>
             </a:fld>
             <a:endParaRPr lang="en-IN"/>
           </a:p>
@@ -3948,7 +3953,7 @@
           <a:p>
             <a:fld id="{03E5B5E7-A2F4-477A-80C3-8180C83BB5DC}" type="datetimeFigureOut">
               <a:rPr lang="en-IN" smtClean="0"/>
-              <a:t>15-06-2020</a:t>
+              <a:t>17-06-2020</a:t>
             </a:fld>
             <a:endParaRPr lang="en-IN"/>
           </a:p>
@@ -4043,7 +4048,7 @@
           <a:p>
             <a:fld id="{03E5B5E7-A2F4-477A-80C3-8180C83BB5DC}" type="datetimeFigureOut">
               <a:rPr lang="en-IN" smtClean="0"/>
-              <a:t>15-06-2020</a:t>
+              <a:t>17-06-2020</a:t>
             </a:fld>
             <a:endParaRPr lang="en-IN"/>
           </a:p>
@@ -4298,7 +4303,7 @@
           <a:p>
             <a:fld id="{03E5B5E7-A2F4-477A-80C3-8180C83BB5DC}" type="datetimeFigureOut">
               <a:rPr lang="en-IN" smtClean="0"/>
-              <a:t>15-06-2020</a:t>
+              <a:t>17-06-2020</a:t>
             </a:fld>
             <a:endParaRPr lang="en-IN"/>
           </a:p>
@@ -4561,7 +4566,7 @@
           <a:p>
             <a:fld id="{03E5B5E7-A2F4-477A-80C3-8180C83BB5DC}" type="datetimeFigureOut">
               <a:rPr lang="en-IN" smtClean="0"/>
-              <a:t>15-06-2020</a:t>
+              <a:t>17-06-2020</a:t>
             </a:fld>
             <a:endParaRPr lang="en-IN"/>
           </a:p>
@@ -5304,7 +5309,7 @@
           <a:p>
             <a:fld id="{03E5B5E7-A2F4-477A-80C3-8180C83BB5DC}" type="datetimeFigureOut">
               <a:rPr lang="en-IN" smtClean="0"/>
-              <a:t>15-06-2020</a:t>
+              <a:t>17-06-2020</a:t>
             </a:fld>
             <a:endParaRPr lang="en-IN"/>
           </a:p>
@@ -5894,7 +5899,7 @@
         </p:spPr>
         <p:txBody>
           <a:bodyPr>
-            <a:normAutofit/>
+            <a:normAutofit lnSpcReduction="10000"/>
           </a:bodyPr>
           <a:lstStyle/>
           <a:p>
@@ -5944,6 +5949,22 @@
             </a:endParaRPr>
           </a:p>
           <a:p>
+            <a:r>
+              <a:rPr lang="en-IN" b="1" dirty="0">
+                <a:solidFill>
+                  <a:srgbClr val="C00000"/>
+                </a:solidFill>
+              </a:rPr>
+              <a:t>YOUTUBE </a:t>
+            </a:r>
+            <a:r>
+              <a:rPr lang="en-IN" b="1">
+                <a:solidFill>
+                  <a:srgbClr val="C00000"/>
+                </a:solidFill>
+              </a:rPr>
+              <a:t>LINK :https://youtu.be/SbwSBw6qt9o </a:t>
+            </a:r>
             <a:endParaRPr lang="en-IN" b="1" dirty="0">
               <a:solidFill>
                 <a:srgbClr val="C00000"/>
